--- a/docs/Presentations/Sokobond_AI_Group_A1_77.pptx
+++ b/docs/Presentations/Sokobond_AI_Group_A1_77.pptx
@@ -289,7 +289,7 @@
 <file path=ppt/charts/chart1.xml><?xml version="1.0" encoding="utf-8"?>
 <c:chartSpace xmlns:c="http://schemas.openxmlformats.org/drawingml/2006/chart" xmlns:a="http://schemas.openxmlformats.org/drawingml/2006/main" xmlns:r="http://schemas.openxmlformats.org/officeDocument/2006/relationships" xmlns:c16r2="http://schemas.microsoft.com/office/drawing/2015/06/chart">
   <c:date1904 val="0"/>
-  <c:lang val="en-GB"/>
+  <c:lang val="en-US"/>
   <c:roundedCorners val="0"/>
   <mc:AlternateContent xmlns:mc="http://schemas.openxmlformats.org/markup-compatibility/2006">
     <mc:Choice xmlns:c14="http://schemas.microsoft.com/office/drawing/2007/8/2/chart" Requires="c14">
@@ -356,7 +356,7 @@
               <a:cs typeface="+mn-cs"/>
             </a:defRPr>
           </a:pPr>
-          <a:endParaRPr lang="en-US"/>
+          <a:endParaRPr lang="pt-PT"/>
         </a:p>
       </c:txPr>
     </c:title>
@@ -498,7 +498,7 @@
                 <a:cs typeface="+mn-cs"/>
               </a:defRPr>
             </a:pPr>
-            <a:endParaRPr lang="en-US"/>
+            <a:endParaRPr lang="pt-PT"/>
           </a:p>
         </c:txPr>
         <c:crossAx val="410616256"/>
@@ -557,7 +557,7 @@
                 <a:cs typeface="+mn-cs"/>
               </a:defRPr>
             </a:pPr>
-            <a:endParaRPr lang="en-US"/>
+            <a:endParaRPr lang="pt-PT"/>
           </a:p>
         </c:txPr>
         <c:crossAx val="410613376"/>
@@ -590,7 +590,7 @@
       <a:pPr>
         <a:defRPr/>
       </a:pPr>
-      <a:endParaRPr lang="en-US"/>
+      <a:endParaRPr lang="pt-PT"/>
     </a:p>
   </c:txPr>
   <c:externalData r:id="rId3">
@@ -602,7 +602,7 @@
 <file path=ppt/charts/chart2.xml><?xml version="1.0" encoding="utf-8"?>
 <c:chartSpace xmlns:c="http://schemas.openxmlformats.org/drawingml/2006/chart" xmlns:a="http://schemas.openxmlformats.org/drawingml/2006/main" xmlns:r="http://schemas.openxmlformats.org/officeDocument/2006/relationships" xmlns:c16r2="http://schemas.microsoft.com/office/drawing/2015/06/chart">
   <c:date1904 val="0"/>
-  <c:lang val="en-GB"/>
+  <c:lang val="en-US"/>
   <c:roundedCorners val="0"/>
   <mc:AlternateContent xmlns:mc="http://schemas.openxmlformats.org/markup-compatibility/2006">
     <mc:Choice xmlns:c14="http://schemas.microsoft.com/office/drawing/2007/8/2/chart" Requires="c14">
@@ -664,7 +664,7 @@
               <a:cs typeface="+mn-cs"/>
             </a:defRPr>
           </a:pPr>
-          <a:endParaRPr lang="en-US"/>
+          <a:endParaRPr lang="pt-PT"/>
         </a:p>
       </c:txPr>
     </c:title>
@@ -883,7 +883,7 @@
                 <a:cs typeface="+mn-cs"/>
               </a:defRPr>
             </a:pPr>
-            <a:endParaRPr lang="en-US"/>
+            <a:endParaRPr lang="pt-PT"/>
           </a:p>
         </c:txPr>
         <c:crossAx val="430751328"/>
@@ -942,7 +942,7 @@
                 <a:cs typeface="+mn-cs"/>
               </a:defRPr>
             </a:pPr>
-            <a:endParaRPr lang="en-US"/>
+            <a:endParaRPr lang="pt-PT"/>
           </a:p>
         </c:txPr>
         <c:crossAx val="160891408"/>
@@ -984,7 +984,7 @@
               <a:cs typeface="+mn-cs"/>
             </a:defRPr>
           </a:pPr>
-          <a:endParaRPr lang="en-US"/>
+          <a:endParaRPr lang="pt-PT"/>
         </a:p>
       </c:txPr>
     </c:legend>
@@ -1013,7 +1013,7 @@
       <a:pPr>
         <a:defRPr/>
       </a:pPr>
-      <a:endParaRPr lang="en-US"/>
+      <a:endParaRPr lang="pt-PT"/>
     </a:p>
   </c:txPr>
   <c:externalData r:id="rId3">
@@ -1025,7 +1025,7 @@
 <file path=ppt/charts/chart3.xml><?xml version="1.0" encoding="utf-8"?>
 <c:chartSpace xmlns:c="http://schemas.openxmlformats.org/drawingml/2006/chart" xmlns:a="http://schemas.openxmlformats.org/drawingml/2006/main" xmlns:r="http://schemas.openxmlformats.org/officeDocument/2006/relationships" xmlns:c16r2="http://schemas.microsoft.com/office/drawing/2015/06/chart">
   <c:date1904 val="0"/>
-  <c:lang val="en-GB"/>
+  <c:lang val="en-US"/>
   <c:roundedCorners val="0"/>
   <mc:AlternateContent xmlns:mc="http://schemas.openxmlformats.org/markup-compatibility/2006">
     <mc:Choice xmlns:c14="http://schemas.microsoft.com/office/drawing/2007/8/2/chart" Requires="c14">
@@ -1056,7 +1056,7 @@
               </a:defRPr>
             </a:pPr>
             <a:r>
-              <a:rPr lang="en-US" sz="1200" b="0" i="0" u="none" strike="noStrike" kern="1200" spc="0" baseline="0">
+              <a:rPr lang="en-US" sz="1200" b="0" i="0" u="none" strike="noStrike" kern="1200" spc="0" baseline="0" dirty="0">
                 <a:solidFill>
                   <a:sysClr val="windowText" lastClr="000000">
                     <a:lumMod val="65000"/>
@@ -1094,7 +1094,7 @@
               <a:cs typeface="+mn-cs"/>
             </a:defRPr>
           </a:pPr>
-          <a:endParaRPr lang="en-US"/>
+          <a:endParaRPr lang="pt-PT"/>
         </a:p>
       </c:txPr>
     </c:title>
@@ -1138,7 +1138,7 @@
                   <c:v>Manhattam Distance</c:v>
                 </c:pt>
                 <c:pt idx="1">
-                  <c:v>Free Electrons</c:v>
+                  <c:v>Prioritize Free Electrons</c:v>
                 </c:pt>
                 <c:pt idx="2">
                   <c:v>Minimize Free Electrons</c:v>
@@ -1166,7 +1166,7 @@
           </c:val>
           <c:extLst>
             <c:ext xmlns:c16="http://schemas.microsoft.com/office/drawing/2014/chart" uri="{C3380CC4-5D6E-409C-BE32-E72D297353CC}">
-              <c16:uniqueId val="{00000000-06C4-4F17-B3B6-A5E2A840D324}"/>
+              <c16:uniqueId val="{00000000-3366-489C-9B4F-12489E823129}"/>
             </c:ext>
           </c:extLst>
         </c:ser>
@@ -1224,7 +1224,7 @@
                 <a:cs typeface="+mn-cs"/>
               </a:defRPr>
             </a:pPr>
-            <a:endParaRPr lang="en-US"/>
+            <a:endParaRPr lang="pt-PT"/>
           </a:p>
         </c:txPr>
         <c:crossAx val="400377776"/>
@@ -1283,7 +1283,7 @@
                 <a:cs typeface="+mn-cs"/>
               </a:defRPr>
             </a:pPr>
-            <a:endParaRPr lang="en-US"/>
+            <a:endParaRPr lang="pt-PT"/>
           </a:p>
         </c:txPr>
         <c:crossAx val="400378256"/>
@@ -1323,7 +1323,7 @@
       <a:pPr>
         <a:defRPr/>
       </a:pPr>
-      <a:endParaRPr lang="en-US"/>
+      <a:endParaRPr lang="pt-PT"/>
     </a:p>
   </c:txPr>
   <c:externalData r:id="rId3">
@@ -1335,7 +1335,7 @@
 <file path=ppt/charts/chart4.xml><?xml version="1.0" encoding="utf-8"?>
 <c:chartSpace xmlns:c="http://schemas.openxmlformats.org/drawingml/2006/chart" xmlns:a="http://schemas.openxmlformats.org/drawingml/2006/main" xmlns:r="http://schemas.openxmlformats.org/officeDocument/2006/relationships" xmlns:c16r2="http://schemas.microsoft.com/office/drawing/2015/06/chart">
   <c:date1904 val="0"/>
-  <c:lang val="en-GB"/>
+  <c:lang val="en-US"/>
   <c:roundedCorners val="0"/>
   <mc:AlternateContent xmlns:mc="http://schemas.openxmlformats.org/markup-compatibility/2006">
     <mc:Choice xmlns:c14="http://schemas.microsoft.com/office/drawing/2007/8/2/chart" Requires="c14">
@@ -1404,7 +1404,7 @@
               <a:cs typeface="+mn-cs"/>
             </a:defRPr>
           </a:pPr>
-          <a:endParaRPr lang="en-US"/>
+          <a:endParaRPr lang="pt-PT"/>
         </a:p>
       </c:txPr>
     </c:title>
@@ -1448,7 +1448,7 @@
                   <c:v>Manhattam Distance</c:v>
                 </c:pt>
                 <c:pt idx="1">
-                  <c:v>Free Electrons</c:v>
+                  <c:v>Prioritize Free Electrons</c:v>
                 </c:pt>
                 <c:pt idx="2">
                   <c:v>Minimize Free Electrons</c:v>
@@ -1476,7 +1476,7 @@
           </c:val>
           <c:extLst>
             <c:ext xmlns:c16="http://schemas.microsoft.com/office/drawing/2014/chart" uri="{C3380CC4-5D6E-409C-BE32-E72D297353CC}">
-              <c16:uniqueId val="{00000000-45CA-4DD0-A542-F61146AD2C8E}"/>
+              <c16:uniqueId val="{00000000-E464-4E47-9206-392C39A048AE}"/>
             </c:ext>
           </c:extLst>
         </c:ser>
@@ -1513,7 +1513,7 @@
                   <c:v>Manhattam Distance</c:v>
                 </c:pt>
                 <c:pt idx="1">
-                  <c:v>Free Electrons</c:v>
+                  <c:v>Prioritize Free Electrons</c:v>
                 </c:pt>
                 <c:pt idx="2">
                   <c:v>Minimize Free Electrons</c:v>
@@ -1541,7 +1541,7 @@
           </c:val>
           <c:extLst>
             <c:ext xmlns:c16="http://schemas.microsoft.com/office/drawing/2014/chart" uri="{C3380CC4-5D6E-409C-BE32-E72D297353CC}">
-              <c16:uniqueId val="{00000001-45CA-4DD0-A542-F61146AD2C8E}"/>
+              <c16:uniqueId val="{00000001-E464-4E47-9206-392C39A048AE}"/>
             </c:ext>
           </c:extLst>
         </c:ser>
@@ -1599,7 +1599,7 @@
                 <a:cs typeface="+mn-cs"/>
               </a:defRPr>
             </a:pPr>
-            <a:endParaRPr lang="en-US"/>
+            <a:endParaRPr lang="pt-PT"/>
           </a:p>
         </c:txPr>
         <c:crossAx val="414826544"/>
@@ -1658,7 +1658,7 @@
                 <a:cs typeface="+mn-cs"/>
               </a:defRPr>
             </a:pPr>
-            <a:endParaRPr lang="en-US"/>
+            <a:endParaRPr lang="pt-PT"/>
           </a:p>
         </c:txPr>
         <c:crossAx val="414829424"/>
@@ -1700,7 +1700,7 @@
               <a:cs typeface="+mn-cs"/>
             </a:defRPr>
           </a:pPr>
-          <a:endParaRPr lang="en-US"/>
+          <a:endParaRPr lang="pt-PT"/>
         </a:p>
       </c:txPr>
     </c:legend>
@@ -1729,7 +1729,7 @@
       <a:pPr>
         <a:defRPr/>
       </a:pPr>
-      <a:endParaRPr lang="en-US"/>
+      <a:endParaRPr lang="pt-PT"/>
     </a:p>
   </c:txPr>
   <c:externalData r:id="rId3">
@@ -23160,7 +23160,7 @@
       </p:sp>
       <p:graphicFrame>
         <p:nvGraphicFramePr>
-          <p:cNvPr id="6" name="Chart 5">
+          <p:cNvPr id="2" name="Chart 1">
             <a:extLst>
               <a:ext uri="{FF2B5EF4-FFF2-40B4-BE49-F238E27FC236}">
                 <a16:creationId xmlns:a16="http://schemas.microsoft.com/office/drawing/2014/main" id="{D964FA92-AC9B-2494-79AC-00EC2E7A047B}"/>
@@ -23173,14 +23173,14 @@
           <p:nvPr>
             <p:extLst>
               <p:ext uri="{D42A27DB-BD31-4B8C-83A1-F6EECF244321}">
-                <p14:modId xmlns:p14="http://schemas.microsoft.com/office/powerpoint/2010/main" val="3894019861"/>
+                <p14:modId xmlns:p14="http://schemas.microsoft.com/office/powerpoint/2010/main" val="3018845468"/>
               </p:ext>
             </p:extLst>
           </p:nvPr>
         </p:nvGraphicFramePr>
         <p:xfrm>
-          <a:off x="4688346" y="1036950"/>
-          <a:ext cx="3162010" cy="1880754"/>
+          <a:off x="4688344" y="1017725"/>
+          <a:ext cx="3162012" cy="1780070"/>
         </p:xfrm>
         <a:graphic>
           <a:graphicData uri="http://schemas.openxmlformats.org/drawingml/2006/chart">
@@ -23190,7 +23190,7 @@
       </p:graphicFrame>
       <p:graphicFrame>
         <p:nvGraphicFramePr>
-          <p:cNvPr id="8" name="Chart 7">
+          <p:cNvPr id="4" name="Chart 3">
             <a:extLst>
               <a:ext uri="{FF2B5EF4-FFF2-40B4-BE49-F238E27FC236}">
                 <a16:creationId xmlns:a16="http://schemas.microsoft.com/office/drawing/2014/main" id="{876DA4F4-18AC-9B8B-319F-E4F2AE3E2CD5}"/>
@@ -23203,14 +23203,14 @@
           <p:nvPr>
             <p:extLst>
               <p:ext uri="{D42A27DB-BD31-4B8C-83A1-F6EECF244321}">
-                <p14:modId xmlns:p14="http://schemas.microsoft.com/office/powerpoint/2010/main" val="4274105837"/>
+                <p14:modId xmlns:p14="http://schemas.microsoft.com/office/powerpoint/2010/main" val="635265747"/>
               </p:ext>
             </p:extLst>
           </p:nvPr>
         </p:nvGraphicFramePr>
         <p:xfrm>
-          <a:off x="4688346" y="2917704"/>
-          <a:ext cx="3162010" cy="1971796"/>
+          <a:off x="4688344" y="2917704"/>
+          <a:ext cx="3162012" cy="1705096"/>
         </p:xfrm>
         <a:graphic>
           <a:graphicData uri="http://schemas.openxmlformats.org/drawingml/2006/chart">
@@ -29920,8 +29920,8 @@
         </p:nvSpPr>
         <p:spPr>
           <a:xfrm>
-            <a:off x="952070" y="1788373"/>
-            <a:ext cx="2322759" cy="809226"/>
+            <a:off x="855792" y="1788373"/>
+            <a:ext cx="2516315" cy="809226"/>
           </a:xfrm>
           <a:prstGeom prst="rect">
             <a:avLst/>
@@ -30186,7 +30186,7 @@
             <a:pPr marL="0" indent="0"/>
             <a:r>
               <a:rPr lang="en-US" sz="1400" dirty="0"/>
-              <a:t>Configuration of all atoms on the grid as well as the available bonding connections</a:t>
+              <a:t>Configuration of all atoms on the grid as well as the available bonding connections and connections made</a:t>
             </a:r>
           </a:p>
         </p:txBody>
@@ -32431,7 +32431,7 @@
             </a:pPr>
             <a:r>
               <a:rPr lang="en-US" sz="1100" dirty="0"/>
-              <a:t>BFS explores the shortest path by examining all possible moves from the current state before moving to the next level of possibilities</a:t>
+              <a:t>BFS explores the shortest path by examining all possible moves from the current state before moving to the next level of possibilities.</a:t>
             </a:r>
           </a:p>
         </p:txBody>
@@ -33719,7 +33719,7 @@
             <a:pPr marL="0" indent="0" algn="just"/>
             <a:r>
               <a:rPr lang="en-US" sz="1100" dirty="0"/>
-              <a:t>Iterative Deepening Search combines the benefits of both BFS and DFS by repeatedly performing DFS with increasing depth limits until the solution is found</a:t>
+              <a:t>Iterative Deepening Search combines the benefits of both BFS and DFS by repeatedly performing DFS with increasing depth limits until the solution is found.</a:t>
             </a:r>
           </a:p>
         </p:txBody>
@@ -37273,8 +37273,8 @@
         </p:nvSpPr>
         <p:spPr>
           <a:xfrm>
-            <a:off x="3571951" y="2336045"/>
-            <a:ext cx="2000098" cy="2174995"/>
+            <a:off x="3512458" y="2336045"/>
+            <a:ext cx="2227742" cy="2174995"/>
           </a:xfrm>
           <a:prstGeom prst="rect">
             <a:avLst/>
@@ -37539,7 +37539,7 @@
             <a:pPr marL="0" indent="0" algn="just"/>
             <a:r>
               <a:rPr lang="en-US" sz="1100" dirty="0"/>
-              <a:t>In contrast to BFS, DFS can often find a solution, yet as the complexity of the level escalates, its memory demands can become quite high, guiding the search for an unfeasible solution. Despite not getting the optimal solution, DFS manages to produce results within a reasonable timeframe.</a:t>
+              <a:t>DFS's high memory usage can impede its ability to find a solution as level complexity increases. However, in theory, on a computer without memory constraints, DFS would always find a solution. Despite not getting the optimal solution, DFS manages to produce results within a reasonable timeframe.</a:t>
             </a:r>
           </a:p>
         </p:txBody>
@@ -38065,7 +38065,7 @@
             </a:pPr>
             <a:r>
               <a:rPr lang="en-US" sz="1100" dirty="0"/>
-              <a:t>Regardless of the chosen heuristic, the A* algorithm consistently impresses by consistently discovering optimal solutions while excelling in both search time and efficient utilization of memory resources.</a:t>
+              <a:t>Regardless of the chosen heuristic, the A* algorithm impresses by consistently discovering optimal solutions while excelling in both search time and efficient utilization of memory resources.</a:t>
             </a:r>
           </a:p>
         </p:txBody>
